--- a/20241107-lesson9.pptx
+++ b/20241107-lesson9.pptx
@@ -7,8 +7,9 @@
   <p:sldIdLst>
     <p:sldId id="476" r:id="rId2"/>
     <p:sldId id="519" r:id="rId3"/>
-    <p:sldId id="517" r:id="rId4"/>
-    <p:sldId id="518" r:id="rId5"/>
+    <p:sldId id="525" r:id="rId4"/>
+    <p:sldId id="517" r:id="rId5"/>
+    <p:sldId id="518" r:id="rId6"/>
   </p:sldIdLst>
   <p:sldSz cx="12192000" cy="6858000"/>
   <p:notesSz cx="6858000" cy="9144000"/>
@@ -7338,6 +7339,122 @@
   <p:cSld>
     <p:spTree>
       <p:nvGrpSpPr>
+        <p:cNvPr id="1" name=""/>
+        <p:cNvGrpSpPr/>
+        <p:nvPr/>
+      </p:nvGrpSpPr>
+      <p:grpSpPr>
+        <a:xfrm>
+          <a:off x="0" y="0"/>
+          <a:ext cx="0" cy="0"/>
+          <a:chOff x="0" y="0"/>
+          <a:chExt cx="0" cy="0"/>
+        </a:xfrm>
+      </p:grpSpPr>
+      <p:sp>
+        <p:nvSpPr>
+          <p:cNvPr id="2" name="Title 1">
+            <a:extLst>
+              <a:ext uri="{FF2B5EF4-FFF2-40B4-BE49-F238E27FC236}">
+                <a16:creationId xmlns:a16="http://schemas.microsoft.com/office/drawing/2014/main" id="{7157F1AC-2374-2725-0546-52A27D6DAB6C}"/>
+              </a:ext>
+            </a:extLst>
+          </p:cNvPr>
+          <p:cNvSpPr>
+            <a:spLocks noGrp="1"/>
+          </p:cNvSpPr>
+          <p:nvPr>
+            <p:ph type="title"/>
+          </p:nvPr>
+        </p:nvSpPr>
+        <p:spPr/>
+        <p:txBody>
+          <a:bodyPr/>
+          <a:lstStyle/>
+          <a:p>
+            <a:r>
+              <a:rPr lang="en-US" dirty="0"/>
+              <a:t>Note – there is no mid-term. This project is midterm</a:t>
+            </a:r>
+          </a:p>
+        </p:txBody>
+      </p:sp>
+      <p:sp>
+        <p:nvSpPr>
+          <p:cNvPr id="3" name="Content Placeholder 2">
+            <a:extLst>
+              <a:ext uri="{FF2B5EF4-FFF2-40B4-BE49-F238E27FC236}">
+                <a16:creationId xmlns:a16="http://schemas.microsoft.com/office/drawing/2014/main" id="{3B934CCC-A88A-E734-E9CC-512B7BC6A589}"/>
+              </a:ext>
+            </a:extLst>
+          </p:cNvPr>
+          <p:cNvSpPr>
+            <a:spLocks noGrp="1"/>
+          </p:cNvSpPr>
+          <p:nvPr>
+            <p:ph idx="1"/>
+          </p:nvPr>
+        </p:nvSpPr>
+        <p:spPr/>
+        <p:txBody>
+          <a:bodyPr/>
+          <a:lstStyle/>
+          <a:p>
+            <a:r>
+              <a:rPr lang="en-US" dirty="0"/>
+              <a:t>Please make sure you do it~~ We are spreading it into 2 classes… </a:t>
+            </a:r>
+          </a:p>
+        </p:txBody>
+      </p:sp>
+      <p:pic>
+        <p:nvPicPr>
+          <p:cNvPr id="4" name="Picture 3">
+            <a:extLst>
+              <a:ext uri="{FF2B5EF4-FFF2-40B4-BE49-F238E27FC236}">
+                <a16:creationId xmlns:a16="http://schemas.microsoft.com/office/drawing/2014/main" id="{65D870D7-C4E4-9DE0-4394-2EC71D0F910C}"/>
+              </a:ext>
+            </a:extLst>
+          </p:cNvPr>
+          <p:cNvPicPr>
+            <a:picLocks noChangeAspect="1"/>
+          </p:cNvPicPr>
+          <p:nvPr/>
+        </p:nvPicPr>
+        <p:blipFill>
+          <a:blip r:embed="rId2"/>
+          <a:stretch>
+            <a:fillRect/>
+          </a:stretch>
+        </p:blipFill>
+        <p:spPr>
+          <a:xfrm>
+            <a:off x="2071778" y="2369673"/>
+            <a:ext cx="7772400" cy="4123202"/>
+          </a:xfrm>
+          <a:prstGeom prst="rect">
+            <a:avLst/>
+          </a:prstGeom>
+        </p:spPr>
+      </p:pic>
+    </p:spTree>
+    <p:extLst>
+      <p:ext uri="{BB962C8B-B14F-4D97-AF65-F5344CB8AC3E}">
+        <p14:creationId xmlns:p14="http://schemas.microsoft.com/office/powerpoint/2010/main" val="815851763"/>
+      </p:ext>
+    </p:extLst>
+  </p:cSld>
+  <p:clrMapOvr>
+    <a:masterClrMapping/>
+  </p:clrMapOvr>
+</p:sld>
+</file>
+
+<file path=ppt/slides/slide4.xml><?xml version="1.0" encoding="utf-8"?>
+<p:sld xmlns:a="http://schemas.openxmlformats.org/drawingml/2006/main" xmlns:r="http://schemas.openxmlformats.org/officeDocument/2006/relationships" xmlns:p="http://schemas.openxmlformats.org/presentationml/2006/main">
+  <p:cSld>
+    <p:spTree>
+      <p:nvGrpSpPr>
         <p:cNvPr id="1" name="">
           <a:extLst>
             <a:ext uri="{FF2B5EF4-FFF2-40B4-BE49-F238E27FC236}">
@@ -7687,7 +7804,7 @@
 </p:sld>
 </file>
 
-<file path=ppt/slides/slide4.xml><?xml version="1.0" encoding="utf-8"?>
+<file path=ppt/slides/slide5.xml><?xml version="1.0" encoding="utf-8"?>
 <p:sld xmlns:a="http://schemas.openxmlformats.org/drawingml/2006/main" xmlns:r="http://schemas.openxmlformats.org/officeDocument/2006/relationships" xmlns:p="http://schemas.openxmlformats.org/presentationml/2006/main">
   <p:cSld>
     <p:bg>
